--- a/2022/June_Batch/5Javascript/2August/27-08-22-Hositing-TDZ-this-keyword/9javascript -Behind-the-scence.pptx
+++ b/2022/June_Batch/5Javascript/2August/27-08-22-Hositing-TDZ-this-keyword/9javascript -Behind-the-scence.pptx
@@ -112,7 +112,7 @@
   </p:defaultTextStyle>
   <p:extLst>
     <p:ext uri="{EFAFB233-063F-42B5-8137-9DF3F51BA10A}">
-      <p15:sldGuideLst xmlns:p15="http://schemas.microsoft.com/office/powerpoint/2012/main" xmlns="">
+      <p15:sldGuideLst xmlns="" xmlns:p15="http://schemas.microsoft.com/office/powerpoint/2012/main">
         <p15:guide id="1" orient="horz" pos="2160">
           <p15:clr>
             <a:srgbClr val="A4A3A4"/>
@@ -400,7 +400,7 @@
             <a:fld id="{7FCC5AE5-E495-4913-B643-A95A6AFABB00}" type="datetimeFigureOut">
               <a:rPr kumimoji="1" lang="ja-JP" altLang="en-US" smtClean="0"/>
               <a:pPr/>
-              <a:t>2022/8/26</a:t>
+              <a:t>2022/8/27</a:t>
             </a:fld>
             <a:endParaRPr kumimoji="1" lang="ja-JP" altLang="en-US"/>
           </a:p>
@@ -601,7 +601,7 @@
             <a:fld id="{7FCC5AE5-E495-4913-B643-A95A6AFABB00}" type="datetimeFigureOut">
               <a:rPr kumimoji="1" lang="ja-JP" altLang="en-US" smtClean="0"/>
               <a:pPr/>
-              <a:t>2022/8/26</a:t>
+              <a:t>2022/8/27</a:t>
             </a:fld>
             <a:endParaRPr kumimoji="1" lang="ja-JP" altLang="en-US"/>
           </a:p>
@@ -793,7 +793,7 @@
             <a:fld id="{7FCC5AE5-E495-4913-B643-A95A6AFABB00}" type="datetimeFigureOut">
               <a:rPr kumimoji="1" lang="ja-JP" altLang="en-US" smtClean="0"/>
               <a:pPr/>
-              <a:t>2022/8/26</a:t>
+              <a:t>2022/8/27</a:t>
             </a:fld>
             <a:endParaRPr kumimoji="1" lang="ja-JP" altLang="en-US"/>
           </a:p>
@@ -987,7 +987,7 @@
             <a:fld id="{7FCC5AE5-E495-4913-B643-A95A6AFABB00}" type="datetimeFigureOut">
               <a:rPr kumimoji="1" lang="ja-JP" altLang="en-US" smtClean="0"/>
               <a:pPr/>
-              <a:t>2022/8/26</a:t>
+              <a:t>2022/8/27</a:t>
             </a:fld>
             <a:endParaRPr kumimoji="1" lang="ja-JP" altLang="en-US"/>
           </a:p>
@@ -1215,7 +1215,7 @@
             <a:fld id="{7FCC5AE5-E495-4913-B643-A95A6AFABB00}" type="datetimeFigureOut">
               <a:rPr kumimoji="1" lang="ja-JP" altLang="en-US" smtClean="0"/>
               <a:pPr/>
-              <a:t>2022/8/26</a:t>
+              <a:t>2022/8/27</a:t>
             </a:fld>
             <a:endParaRPr kumimoji="1" lang="ja-JP" altLang="en-US"/>
           </a:p>
@@ -1508,7 +1508,7 @@
             <a:fld id="{7FCC5AE5-E495-4913-B643-A95A6AFABB00}" type="datetimeFigureOut">
               <a:rPr kumimoji="1" lang="ja-JP" altLang="en-US" smtClean="0"/>
               <a:pPr/>
-              <a:t>2022/8/26</a:t>
+              <a:t>2022/8/27</a:t>
             </a:fld>
             <a:endParaRPr kumimoji="1" lang="ja-JP" altLang="en-US"/>
           </a:p>
@@ -1941,7 +1941,7 @@
             <a:fld id="{7FCC5AE5-E495-4913-B643-A95A6AFABB00}" type="datetimeFigureOut">
               <a:rPr kumimoji="1" lang="ja-JP" altLang="en-US" smtClean="0"/>
               <a:pPr/>
-              <a:t>2022/8/26</a:t>
+              <a:t>2022/8/27</a:t>
             </a:fld>
             <a:endParaRPr kumimoji="1" lang="ja-JP" altLang="en-US"/>
           </a:p>
@@ -2069,7 +2069,7 @@
             <a:fld id="{7FCC5AE5-E495-4913-B643-A95A6AFABB00}" type="datetimeFigureOut">
               <a:rPr kumimoji="1" lang="ja-JP" altLang="en-US" smtClean="0"/>
               <a:pPr/>
-              <a:t>2022/8/26</a:t>
+              <a:t>2022/8/27</a:t>
             </a:fld>
             <a:endParaRPr kumimoji="1" lang="ja-JP" altLang="en-US"/>
           </a:p>
@@ -2174,7 +2174,7 @@
             <a:fld id="{7FCC5AE5-E495-4913-B643-A95A6AFABB00}" type="datetimeFigureOut">
               <a:rPr kumimoji="1" lang="ja-JP" altLang="en-US" smtClean="0"/>
               <a:pPr/>
-              <a:t>2022/8/26</a:t>
+              <a:t>2022/8/27</a:t>
             </a:fld>
             <a:endParaRPr kumimoji="1" lang="ja-JP" altLang="en-US"/>
           </a:p>
@@ -2445,7 +2445,7 @@
             <a:fld id="{7FCC5AE5-E495-4913-B643-A95A6AFABB00}" type="datetimeFigureOut">
               <a:rPr kumimoji="1" lang="ja-JP" altLang="en-US" smtClean="0"/>
               <a:pPr/>
-              <a:t>2022/8/26</a:t>
+              <a:t>2022/8/27</a:t>
             </a:fld>
             <a:endParaRPr kumimoji="1" lang="ja-JP" altLang="en-US"/>
           </a:p>
@@ -2811,7 +2811,7 @@
             <a:fld id="{7FCC5AE5-E495-4913-B643-A95A6AFABB00}" type="datetimeFigureOut">
               <a:rPr kumimoji="1" lang="ja-JP" altLang="en-US" smtClean="0"/>
               <a:pPr/>
-              <a:t>2022/8/26</a:t>
+              <a:t>2022/8/27</a:t>
             </a:fld>
             <a:endParaRPr kumimoji="1" lang="ja-JP" altLang="en-US"/>
           </a:p>
@@ -3168,7 +3168,7 @@
             <a:fld id="{7FCC5AE5-E495-4913-B643-A95A6AFABB00}" type="datetimeFigureOut">
               <a:rPr kumimoji="1" lang="ja-JP" altLang="en-US" smtClean="0"/>
               <a:pPr/>
-              <a:t>2022/8/26</a:t>
+              <a:t>2022/8/27</a:t>
             </a:fld>
             <a:endParaRPr kumimoji="1" lang="ja-JP" altLang="en-US"/>
           </a:p>
@@ -3722,7 +3722,7 @@
     </p:spTree>
     <p:extLst>
       <p:ext uri="{BB962C8B-B14F-4D97-AF65-F5344CB8AC3E}">
-        <p14:creationId xmlns:p14="http://schemas.microsoft.com/office/powerpoint/2010/main" xmlns="" val="4062787881"/>
+        <p14:creationId xmlns="" xmlns:p14="http://schemas.microsoft.com/office/powerpoint/2010/main" val="4062787881"/>
       </p:ext>
     </p:extLst>
   </p:cSld>
